--- a/ESP32/DOC/ESP32 HW및 기초설명.pptx
+++ b/ESP32/DOC/ESP32 HW및 기초설명.pptx
@@ -5,7 +5,7 @@
     <p:sldMasterId id="2147483648" r:id="rId1"/>
   </p:sldMasterIdLst>
   <p:notesMasterIdLst>
-    <p:notesMasterId r:id="rId25"/>
+    <p:notesMasterId r:id="rId26"/>
   </p:notesMasterIdLst>
   <p:sldIdLst>
     <p:sldId id="287" r:id="rId2"/>
@@ -30,7 +30,8 @@
     <p:sldId id="288" r:id="rId21"/>
     <p:sldId id="275" r:id="rId22"/>
     <p:sldId id="292" r:id="rId23"/>
-    <p:sldId id="291" r:id="rId24"/>
+    <p:sldId id="293" r:id="rId24"/>
+    <p:sldId id="291" r:id="rId25"/>
   </p:sldIdLst>
   <p:sldSz cx="12192000" cy="6858000"/>
   <p:notesSz cx="6858000" cy="9144000"/>
@@ -2551,6 +2552,142 @@
 </p:notes>
 </file>
 
+<file path=ppt/notesSlides/notesSlide13.xml><?xml version="1.0" encoding="utf-8"?>
+<p:notes xmlns:a="http://schemas.openxmlformats.org/drawingml/2006/main" xmlns:r="http://schemas.openxmlformats.org/officeDocument/2006/relationships" xmlns:p="http://schemas.openxmlformats.org/presentationml/2006/main">
+  <p:cSld>
+    <p:spTree>
+      <p:nvGrpSpPr>
+        <p:cNvPr id="1" name=""/>
+        <p:cNvGrpSpPr/>
+        <p:nvPr/>
+      </p:nvGrpSpPr>
+      <p:grpSpPr>
+        <a:xfrm>
+          <a:off x="0" y="0"/>
+          <a:ext cx="0" cy="0"/>
+          <a:chOff x="0" y="0"/>
+          <a:chExt cx="0" cy="0"/>
+        </a:xfrm>
+      </p:grpSpPr>
+      <p:sp>
+        <p:nvSpPr>
+          <p:cNvPr id="2" name="슬라이드 이미지 개체 틀 1"/>
+          <p:cNvSpPr>
+            <a:spLocks noGrp="1" noRot="1" noChangeAspect="1"/>
+          </p:cNvSpPr>
+          <p:nvPr>
+            <p:ph type="sldImg"/>
+          </p:nvPr>
+        </p:nvSpPr>
+        <p:spPr/>
+      </p:sp>
+      <p:sp>
+        <p:nvSpPr>
+          <p:cNvPr id="3" name="슬라이드 노트 개체 틀 2"/>
+          <p:cNvSpPr>
+            <a:spLocks noGrp="1"/>
+          </p:cNvSpPr>
+          <p:nvPr>
+            <p:ph type="body" idx="1"/>
+          </p:nvPr>
+        </p:nvSpPr>
+        <p:spPr/>
+        <p:txBody>
+          <a:bodyPr/>
+          <a:lstStyle/>
+          <a:p>
+            <a:r>
+              <a:rPr lang="en-US" altLang="ko-KR" dirty="0"/>
+              <a:t>SCL</a:t>
+            </a:r>
+            <a:r>
+              <a:rPr lang="ko-KR" altLang="en-US" dirty="0"/>
+              <a:t> 또는 </a:t>
+            </a:r>
+            <a:r>
+              <a:rPr lang="en-US" altLang="ko-KR" dirty="0"/>
+              <a:t>SDA </a:t>
+            </a:r>
+            <a:r>
+              <a:rPr lang="ko-KR" altLang="en-US" dirty="0"/>
+              <a:t>통신라인을 </a:t>
+            </a:r>
+            <a:r>
+              <a:rPr lang="en-US" altLang="ko-KR" dirty="0"/>
+              <a:t>GND</a:t>
+            </a:r>
+            <a:r>
+              <a:rPr lang="ko-KR" altLang="en-US" dirty="0"/>
+              <a:t>와 </a:t>
+            </a:r>
+            <a:r>
+              <a:rPr lang="ko-KR" altLang="en-US" dirty="0" err="1"/>
+              <a:t>쇼트킬</a:t>
+            </a:r>
+            <a:r>
+              <a:rPr lang="ko-KR" altLang="en-US" dirty="0"/>
+              <a:t> 경우 </a:t>
+            </a:r>
+            <a:r>
+              <a:rPr lang="en-US" altLang="ko-KR" dirty="0"/>
+              <a:t>0 OPEN</a:t>
+            </a:r>
+            <a:r>
+              <a:rPr lang="ko-KR" altLang="en-US" dirty="0"/>
+              <a:t>했을 경우 </a:t>
+            </a:r>
+            <a:r>
+              <a:rPr lang="en-US" altLang="ko-KR" dirty="0"/>
+              <a:t>1</a:t>
+            </a:r>
+            <a:r>
+              <a:rPr lang="ko-KR" altLang="en-US" dirty="0"/>
+              <a:t>의 방식으로 통신</a:t>
+            </a:r>
+            <a:r>
+              <a:rPr lang="en-US" altLang="ko-KR" dirty="0"/>
+              <a:t> </a:t>
+            </a:r>
+            <a:endParaRPr lang="ko-KR" altLang="en-US" dirty="0"/>
+          </a:p>
+        </p:txBody>
+      </p:sp>
+      <p:sp>
+        <p:nvSpPr>
+          <p:cNvPr id="4" name="슬라이드 번호 개체 틀 3"/>
+          <p:cNvSpPr>
+            <a:spLocks noGrp="1"/>
+          </p:cNvSpPr>
+          <p:nvPr>
+            <p:ph type="sldNum" sz="quarter" idx="5"/>
+          </p:nvPr>
+        </p:nvSpPr>
+        <p:spPr/>
+        <p:txBody>
+          <a:bodyPr/>
+          <a:lstStyle/>
+          <a:p>
+            <a:fld id="{005875DB-C536-4CB6-9675-2AA3519790C1}" type="slidenum">
+              <a:rPr lang="ko-KR" altLang="en-US" smtClean="0"/>
+              <a:t>23</a:t>
+            </a:fld>
+            <a:endParaRPr lang="ko-KR" altLang="en-US"/>
+          </a:p>
+        </p:txBody>
+      </p:sp>
+    </p:spTree>
+    <p:extLst>
+      <p:ext uri="{BB962C8B-B14F-4D97-AF65-F5344CB8AC3E}">
+        <p14:creationId xmlns:p14="http://schemas.microsoft.com/office/powerpoint/2010/main" val="1438204487"/>
+      </p:ext>
+    </p:extLst>
+  </p:cSld>
+  <p:clrMapOvr>
+    <a:masterClrMapping/>
+  </p:clrMapOvr>
+</p:notes>
+</file>
+
 <file path=ppt/notesSlides/notesSlide2.xml><?xml version="1.0" encoding="utf-8"?>
 <p:notes xmlns:a="http://schemas.openxmlformats.org/drawingml/2006/main" xmlns:r="http://schemas.openxmlformats.org/officeDocument/2006/relationships" xmlns:p="http://schemas.openxmlformats.org/presentationml/2006/main">
   <p:cSld>
@@ -17819,7 +17956,7 @@
         </p:nvSpPr>
         <p:spPr>
           <a:xfrm>
-            <a:off x="3287280" y="263880"/>
+            <a:off x="4314897" y="169042"/>
             <a:ext cx="2292807" cy="461665"/>
           </a:xfrm>
           <a:prstGeom prst="rect">
@@ -19111,10 +19248,10 @@
       </p:grpSpPr>
       <p:sp>
         <p:nvSpPr>
-          <p:cNvPr id="5" name="TextBox 4">
+          <p:cNvPr id="47" name="TextBox 46">
             <a:extLst>
               <a:ext uri="{FF2B5EF4-FFF2-40B4-BE49-F238E27FC236}">
-                <a16:creationId xmlns:a16="http://schemas.microsoft.com/office/drawing/2014/main" id="{8E9CA06E-F98A-4DEE-AFBD-943339145F55}"/>
+                <a16:creationId xmlns:a16="http://schemas.microsoft.com/office/drawing/2014/main" id="{2B4A35E9-5EDA-496D-BF45-0B43E05A8F1D}"/>
               </a:ext>
             </a:extLst>
           </p:cNvPr>
@@ -19123,8 +19260,8 @@
         </p:nvSpPr>
         <p:spPr>
           <a:xfrm>
-            <a:off x="3399588" y="320944"/>
-            <a:ext cx="4662174" cy="400110"/>
+            <a:off x="4314897" y="169042"/>
+            <a:ext cx="2262158" cy="461665"/>
           </a:xfrm>
           <a:prstGeom prst="rect">
             <a:avLst/>
@@ -19138,12 +19275,1231 @@
           <a:lstStyle/>
           <a:p>
             <a:r>
+              <a:rPr lang="en-US" altLang="ko-KR" sz="2400" b="1" dirty="0"/>
+              <a:t>HALL SENSOR</a:t>
+            </a:r>
+            <a:endParaRPr lang="ko-KR" altLang="en-US" sz="2400" b="1" dirty="0"/>
+          </a:p>
+        </p:txBody>
+      </p:sp>
+      <p:sp>
+        <p:nvSpPr>
+          <p:cNvPr id="16" name="TextBox 15">
+            <a:extLst>
+              <a:ext uri="{FF2B5EF4-FFF2-40B4-BE49-F238E27FC236}">
+                <a16:creationId xmlns:a16="http://schemas.microsoft.com/office/drawing/2014/main" id="{F8EB04F8-898D-4111-BA01-BD3AE3E41DB3}"/>
+              </a:ext>
+            </a:extLst>
+          </p:cNvPr>
+          <p:cNvSpPr txBox="1"/>
+          <p:nvPr/>
+        </p:nvSpPr>
+        <p:spPr>
+          <a:xfrm>
+            <a:off x="401657" y="900855"/>
+            <a:ext cx="11219819" cy="646331"/>
+          </a:xfrm>
+          <a:prstGeom prst="rect">
+            <a:avLst/>
+          </a:prstGeom>
+          <a:noFill/>
+        </p:spPr>
+        <p:txBody>
+          <a:bodyPr wrap="square" rtlCol="0">
+            <a:spAutoFit/>
+          </a:bodyPr>
+          <a:lstStyle/>
+          <a:p>
+            <a:r>
+              <a:rPr lang="ko-KR" altLang="en-US" dirty="0">
+                <a:solidFill>
+                  <a:srgbClr val="202122"/>
+                </a:solidFill>
+                <a:latin typeface="Arial" panose="020B0604020202020204" pitchFamily="34" charset="0"/>
+              </a:rPr>
+              <a:t>홀센서는 자기장의 세기에 따라서 전압이 변하는 소자이며</a:t>
+            </a:r>
+            <a:r>
+              <a:rPr lang="en-US" altLang="ko-KR" dirty="0">
+                <a:solidFill>
+                  <a:srgbClr val="202122"/>
+                </a:solidFill>
+                <a:latin typeface="Arial" panose="020B0604020202020204" pitchFamily="34" charset="0"/>
+              </a:rPr>
+              <a:t>, ESP32</a:t>
+            </a:r>
+            <a:r>
+              <a:rPr lang="ko-KR" altLang="en-US" dirty="0">
+                <a:solidFill>
+                  <a:srgbClr val="202122"/>
+                </a:solidFill>
+                <a:latin typeface="Arial" panose="020B0604020202020204" pitchFamily="34" charset="0"/>
+              </a:rPr>
+              <a:t>의 </a:t>
+            </a:r>
+            <a:r>
+              <a:rPr lang="en-US" altLang="ko-KR" dirty="0">
+                <a:solidFill>
+                  <a:srgbClr val="202122"/>
+                </a:solidFill>
+                <a:latin typeface="Arial" panose="020B0604020202020204" pitchFamily="34" charset="0"/>
+              </a:rPr>
+              <a:t>MCU </a:t>
+            </a:r>
+            <a:r>
+              <a:rPr lang="ko-KR" altLang="en-US" dirty="0">
+                <a:solidFill>
+                  <a:srgbClr val="202122"/>
+                </a:solidFill>
+                <a:latin typeface="Arial" panose="020B0604020202020204" pitchFamily="34" charset="0"/>
+              </a:rPr>
+              <a:t>내부에 내장되어 있다</a:t>
+            </a:r>
+            <a:r>
+              <a:rPr lang="en-US" altLang="ko-KR" dirty="0">
+                <a:solidFill>
+                  <a:srgbClr val="202122"/>
+                </a:solidFill>
+                <a:latin typeface="Arial" panose="020B0604020202020204" pitchFamily="34" charset="0"/>
+              </a:rPr>
+              <a:t>.</a:t>
+            </a:r>
+          </a:p>
+          <a:p>
+            <a:r>
+              <a:rPr lang="en-US" altLang="ko-KR" dirty="0">
+                <a:solidFill>
+                  <a:srgbClr val="202122"/>
+                </a:solidFill>
+                <a:latin typeface="Arial" panose="020B0604020202020204" pitchFamily="34" charset="0"/>
+              </a:rPr>
+              <a:t>BLDC </a:t>
+            </a:r>
+            <a:r>
+              <a:rPr lang="ko-KR" altLang="en-US" dirty="0">
+                <a:solidFill>
+                  <a:srgbClr val="202122"/>
+                </a:solidFill>
+                <a:latin typeface="Arial" panose="020B0604020202020204" pitchFamily="34" charset="0"/>
+              </a:rPr>
+              <a:t>모터의 위치 검출</a:t>
+            </a:r>
+            <a:r>
+              <a:rPr lang="en-US" altLang="ko-KR" dirty="0">
+                <a:solidFill>
+                  <a:srgbClr val="202122"/>
+                </a:solidFill>
+                <a:latin typeface="Arial" panose="020B0604020202020204" pitchFamily="34" charset="0"/>
+              </a:rPr>
+              <a:t>, </a:t>
+            </a:r>
+            <a:r>
+              <a:rPr lang="ko-KR" altLang="en-US" dirty="0" err="1">
+                <a:solidFill>
+                  <a:srgbClr val="202122"/>
+                </a:solidFill>
+                <a:latin typeface="Arial" panose="020B0604020202020204" pitchFamily="34" charset="0"/>
+              </a:rPr>
+              <a:t>차속센서</a:t>
+            </a:r>
+            <a:r>
+              <a:rPr lang="en-US" altLang="ko-KR" dirty="0">
+                <a:solidFill>
+                  <a:srgbClr val="202122"/>
+                </a:solidFill>
+                <a:latin typeface="Arial" panose="020B0604020202020204" pitchFamily="34" charset="0"/>
+              </a:rPr>
+              <a:t>,</a:t>
+            </a:r>
+            <a:r>
+              <a:rPr lang="ko-KR" altLang="en-US" dirty="0">
+                <a:solidFill>
+                  <a:srgbClr val="202122"/>
+                </a:solidFill>
+                <a:latin typeface="Arial" panose="020B0604020202020204" pitchFamily="34" charset="0"/>
+              </a:rPr>
+              <a:t> 크랭크센서</a:t>
+            </a:r>
+            <a:r>
+              <a:rPr lang="en-US" altLang="ko-KR" dirty="0">
+                <a:solidFill>
+                  <a:srgbClr val="202122"/>
+                </a:solidFill>
+                <a:latin typeface="Arial" panose="020B0604020202020204" pitchFamily="34" charset="0"/>
+              </a:rPr>
+              <a:t>, </a:t>
+            </a:r>
+            <a:r>
+              <a:rPr lang="ko-KR" altLang="en-US" dirty="0" err="1">
+                <a:solidFill>
+                  <a:srgbClr val="202122"/>
+                </a:solidFill>
+                <a:latin typeface="Arial" panose="020B0604020202020204" pitchFamily="34" charset="0"/>
+              </a:rPr>
+              <a:t>캡축센서등</a:t>
+            </a:r>
+            <a:r>
+              <a:rPr lang="ko-KR" altLang="en-US" dirty="0">
+                <a:solidFill>
+                  <a:srgbClr val="202122"/>
+                </a:solidFill>
+                <a:latin typeface="Arial" panose="020B0604020202020204" pitchFamily="34" charset="0"/>
+              </a:rPr>
+              <a:t> 자동차에서 많이 사용됨</a:t>
+            </a:r>
+            <a:r>
+              <a:rPr lang="en-US" altLang="ko-KR" dirty="0">
+                <a:solidFill>
+                  <a:srgbClr val="202122"/>
+                </a:solidFill>
+                <a:latin typeface="Arial" panose="020B0604020202020204" pitchFamily="34" charset="0"/>
+              </a:rPr>
+              <a:t>.</a:t>
+            </a:r>
+          </a:p>
+        </p:txBody>
+      </p:sp>
+      <p:grpSp>
+        <p:nvGrpSpPr>
+          <p:cNvPr id="7" name="그룹 6">
+            <a:extLst>
+              <a:ext uri="{FF2B5EF4-FFF2-40B4-BE49-F238E27FC236}">
+                <a16:creationId xmlns:a16="http://schemas.microsoft.com/office/drawing/2014/main" id="{5BE5304A-E170-447D-84D1-81716D7F3D68}"/>
+              </a:ext>
+            </a:extLst>
+          </p:cNvPr>
+          <p:cNvGrpSpPr/>
+          <p:nvPr/>
+        </p:nvGrpSpPr>
+        <p:grpSpPr>
+          <a:xfrm>
+            <a:off x="9499599" y="2325130"/>
+            <a:ext cx="1634068" cy="3252707"/>
+            <a:chOff x="6610854" y="1824185"/>
+            <a:chExt cx="2293252" cy="4329383"/>
+          </a:xfrm>
+        </p:grpSpPr>
+        <p:pic>
+          <p:nvPicPr>
+            <p:cNvPr id="4" name="Picture 2" descr="Getting Started with the ESP32 Development Board | Random Nerd Tutorials">
+              <a:extLst>
+                <a:ext uri="{FF2B5EF4-FFF2-40B4-BE49-F238E27FC236}">
+                  <a16:creationId xmlns:a16="http://schemas.microsoft.com/office/drawing/2014/main" id="{F42357D5-1E38-4FE1-AB88-AAA465A7B05E}"/>
+                </a:ext>
+              </a:extLst>
+            </p:cNvPr>
+            <p:cNvPicPr>
+              <a:picLocks noChangeAspect="1" noChangeArrowheads="1"/>
+            </p:cNvPicPr>
+            <p:nvPr/>
+          </p:nvPicPr>
+          <p:blipFill rotWithShape="1">
+            <a:blip r:embed="rId3">
+              <a:extLst>
+                <a:ext uri="{28A0092B-C50C-407E-A947-70E740481C1C}">
+                  <a14:useLocalDpi xmlns:a14="http://schemas.microsoft.com/office/drawing/2010/main" val="0"/>
+                </a:ext>
+              </a:extLst>
+            </a:blip>
+            <a:srcRect l="37104" t="17074" r="36802"/>
+            <a:stretch/>
+          </p:blipFill>
+          <p:spPr bwMode="auto">
+            <a:xfrm>
+              <a:off x="6610854" y="1824185"/>
+              <a:ext cx="2293252" cy="4329383"/>
+            </a:xfrm>
+            <a:prstGeom prst="rect">
+              <a:avLst/>
+            </a:prstGeom>
+            <a:noFill/>
+            <a:extLst>
+              <a:ext uri="{909E8E84-426E-40DD-AFC4-6F175D3DCCD1}">
+                <a14:hiddenFill xmlns:a14="http://schemas.microsoft.com/office/drawing/2010/main">
+                  <a:solidFill>
+                    <a:srgbClr val="FFFFFF"/>
+                  </a:solidFill>
+                </a14:hiddenFill>
+              </a:ext>
+            </a:extLst>
+          </p:spPr>
+        </p:pic>
+        <p:sp>
+          <p:nvSpPr>
+            <p:cNvPr id="12" name="직사각형 11">
+              <a:extLst>
+                <a:ext uri="{FF2B5EF4-FFF2-40B4-BE49-F238E27FC236}">
+                  <a16:creationId xmlns:a16="http://schemas.microsoft.com/office/drawing/2014/main" id="{012B6DE5-61AC-4F17-880D-A6F01CF306B8}"/>
+                </a:ext>
+              </a:extLst>
+            </p:cNvPr>
+            <p:cNvSpPr/>
+            <p:nvPr/>
+          </p:nvSpPr>
+          <p:spPr>
+            <a:xfrm>
+              <a:off x="7490132" y="2707447"/>
+              <a:ext cx="570342" cy="462039"/>
+            </a:xfrm>
+            <a:prstGeom prst="rect">
+              <a:avLst/>
+            </a:prstGeom>
+            <a:noFill/>
+            <a:ln w="38100">
+              <a:solidFill>
+                <a:srgbClr val="FF0000"/>
+              </a:solidFill>
+              <a:prstDash val="dash"/>
+            </a:ln>
+          </p:spPr>
+          <p:style>
+            <a:lnRef idx="2">
+              <a:schemeClr val="accent1">
+                <a:shade val="50000"/>
+              </a:schemeClr>
+            </a:lnRef>
+            <a:fillRef idx="1">
+              <a:schemeClr val="accent1"/>
+            </a:fillRef>
+            <a:effectRef idx="0">
+              <a:schemeClr val="accent1"/>
+            </a:effectRef>
+            <a:fontRef idx="minor">
+              <a:schemeClr val="lt1"/>
+            </a:fontRef>
+          </p:style>
+          <p:txBody>
+            <a:bodyPr rtlCol="0" anchor="ctr"/>
+            <a:lstStyle/>
+            <a:p>
+              <a:pPr algn="ctr"/>
+              <a:endParaRPr lang="ko-KR" altLang="en-US"/>
+            </a:p>
+          </p:txBody>
+        </p:sp>
+      </p:grpSp>
+      <p:sp>
+        <p:nvSpPr>
+          <p:cNvPr id="15" name="TextBox 14">
+            <a:extLst>
+              <a:ext uri="{FF2B5EF4-FFF2-40B4-BE49-F238E27FC236}">
+                <a16:creationId xmlns:a16="http://schemas.microsoft.com/office/drawing/2014/main" id="{95CD4BDF-2800-4C2B-86DD-A29411F24423}"/>
+              </a:ext>
+            </a:extLst>
+          </p:cNvPr>
+          <p:cNvSpPr txBox="1"/>
+          <p:nvPr/>
+        </p:nvSpPr>
+        <p:spPr>
+          <a:xfrm>
+            <a:off x="567619" y="2010505"/>
+            <a:ext cx="4563181" cy="2462213"/>
+          </a:xfrm>
+          <a:prstGeom prst="rect">
+            <a:avLst/>
+          </a:prstGeom>
+          <a:solidFill>
+            <a:schemeClr val="tx1"/>
+          </a:solidFill>
+        </p:spPr>
+        <p:txBody>
+          <a:bodyPr wrap="square">
+            <a:spAutoFit/>
+          </a:bodyPr>
+          <a:lstStyle/>
+          <a:p>
+            <a:r>
+              <a:rPr lang="en-US" altLang="ko-KR" sz="1400" b="0" dirty="0">
+                <a:solidFill>
+                  <a:srgbClr val="C586C0"/>
+                </a:solidFill>
+                <a:effectLst/>
+                <a:latin typeface="Consolas" panose="020B0609020204030204" pitchFamily="49" charset="0"/>
+              </a:rPr>
+              <a:t>#include</a:t>
+            </a:r>
+            <a:r>
+              <a:rPr lang="en-US" altLang="ko-KR" sz="1400" b="0" dirty="0">
+                <a:solidFill>
+                  <a:srgbClr val="569CD6"/>
+                </a:solidFill>
+                <a:effectLst/>
+                <a:latin typeface="Consolas" panose="020B0609020204030204" pitchFamily="49" charset="0"/>
+              </a:rPr>
+              <a:t> </a:t>
+            </a:r>
+            <a:r>
+              <a:rPr lang="en-US" altLang="ko-KR" sz="1400" b="0" dirty="0">
+                <a:solidFill>
+                  <a:srgbClr val="CE9178"/>
+                </a:solidFill>
+                <a:effectLst/>
+                <a:latin typeface="Consolas" panose="020B0609020204030204" pitchFamily="49" charset="0"/>
+              </a:rPr>
+              <a:t>&lt;</a:t>
+            </a:r>
+            <a:r>
+              <a:rPr lang="en-US" altLang="ko-KR" sz="1400" b="0" dirty="0" err="1">
+                <a:solidFill>
+                  <a:srgbClr val="CE9178"/>
+                </a:solidFill>
+                <a:effectLst/>
+                <a:latin typeface="Consolas" panose="020B0609020204030204" pitchFamily="49" charset="0"/>
+              </a:rPr>
+              <a:t>Arduino.h</a:t>
+            </a:r>
+            <a:r>
+              <a:rPr lang="en-US" altLang="ko-KR" sz="1400" b="0" dirty="0">
+                <a:solidFill>
+                  <a:srgbClr val="CE9178"/>
+                </a:solidFill>
+                <a:effectLst/>
+                <a:latin typeface="Consolas" panose="020B0609020204030204" pitchFamily="49" charset="0"/>
+              </a:rPr>
+              <a:t>&gt;</a:t>
+            </a:r>
+            <a:endParaRPr lang="en-US" altLang="ko-KR" sz="1400" b="0" dirty="0">
+              <a:solidFill>
+                <a:srgbClr val="D4D4D4"/>
+              </a:solidFill>
+              <a:effectLst/>
+              <a:latin typeface="Consolas" panose="020B0609020204030204" pitchFamily="49" charset="0"/>
+            </a:endParaRPr>
+          </a:p>
+          <a:p>
+            <a:br>
+              <a:rPr lang="en-US" altLang="ko-KR" sz="1400" b="0" dirty="0">
+                <a:solidFill>
+                  <a:srgbClr val="D4D4D4"/>
+                </a:solidFill>
+                <a:effectLst/>
+                <a:latin typeface="Consolas" panose="020B0609020204030204" pitchFamily="49" charset="0"/>
+              </a:rPr>
+            </a:br>
+            <a:r>
+              <a:rPr lang="en-US" altLang="ko-KR" sz="1400" b="0" dirty="0">
+                <a:solidFill>
+                  <a:srgbClr val="569CD6"/>
+                </a:solidFill>
+                <a:effectLst/>
+                <a:latin typeface="Consolas" panose="020B0609020204030204" pitchFamily="49" charset="0"/>
+              </a:rPr>
+              <a:t>int</a:t>
+            </a:r>
+            <a:r>
+              <a:rPr lang="en-US" altLang="ko-KR" sz="1400" b="0" dirty="0">
+                <a:solidFill>
+                  <a:srgbClr val="D4D4D4"/>
+                </a:solidFill>
+                <a:effectLst/>
+                <a:latin typeface="Consolas" panose="020B0609020204030204" pitchFamily="49" charset="0"/>
+              </a:rPr>
+              <a:t> </a:t>
+            </a:r>
+            <a:r>
+              <a:rPr lang="en-US" altLang="ko-KR" sz="1400" b="0" dirty="0" err="1">
+                <a:solidFill>
+                  <a:srgbClr val="9CDCFE"/>
+                </a:solidFill>
+                <a:effectLst/>
+                <a:latin typeface="Consolas" panose="020B0609020204030204" pitchFamily="49" charset="0"/>
+              </a:rPr>
+              <a:t>val</a:t>
+            </a:r>
+            <a:r>
+              <a:rPr lang="en-US" altLang="ko-KR" sz="1400" b="0" dirty="0">
+                <a:solidFill>
+                  <a:srgbClr val="D4D4D4"/>
+                </a:solidFill>
+                <a:effectLst/>
+                <a:latin typeface="Consolas" panose="020B0609020204030204" pitchFamily="49" charset="0"/>
+              </a:rPr>
+              <a:t> = </a:t>
+            </a:r>
+            <a:r>
+              <a:rPr lang="en-US" altLang="ko-KR" sz="1400" b="0" dirty="0">
+                <a:solidFill>
+                  <a:srgbClr val="B5CEA8"/>
+                </a:solidFill>
+                <a:effectLst/>
+                <a:latin typeface="Consolas" panose="020B0609020204030204" pitchFamily="49" charset="0"/>
+              </a:rPr>
+              <a:t>0</a:t>
+            </a:r>
+            <a:r>
+              <a:rPr lang="en-US" altLang="ko-KR" sz="1400" b="0" dirty="0">
+                <a:solidFill>
+                  <a:srgbClr val="D4D4D4"/>
+                </a:solidFill>
+                <a:effectLst/>
+                <a:latin typeface="Consolas" panose="020B0609020204030204" pitchFamily="49" charset="0"/>
+              </a:rPr>
+              <a:t>;</a:t>
+            </a:r>
+          </a:p>
+          <a:p>
+            <a:r>
+              <a:rPr lang="en-US" altLang="ko-KR" sz="1400" b="0" dirty="0">
+                <a:solidFill>
+                  <a:srgbClr val="569CD6"/>
+                </a:solidFill>
+                <a:effectLst/>
+                <a:latin typeface="Consolas" panose="020B0609020204030204" pitchFamily="49" charset="0"/>
+              </a:rPr>
+              <a:t>void</a:t>
+            </a:r>
+            <a:r>
+              <a:rPr lang="en-US" altLang="ko-KR" sz="1400" b="0" dirty="0">
+                <a:solidFill>
+                  <a:srgbClr val="D4D4D4"/>
+                </a:solidFill>
+                <a:effectLst/>
+                <a:latin typeface="Consolas" panose="020B0609020204030204" pitchFamily="49" charset="0"/>
+              </a:rPr>
+              <a:t> </a:t>
+            </a:r>
+            <a:r>
+              <a:rPr lang="en-US" altLang="ko-KR" sz="1400" b="0" dirty="0">
+                <a:solidFill>
+                  <a:srgbClr val="DCDCAA"/>
+                </a:solidFill>
+                <a:effectLst/>
+                <a:latin typeface="Consolas" panose="020B0609020204030204" pitchFamily="49" charset="0"/>
+              </a:rPr>
+              <a:t>setup</a:t>
+            </a:r>
+            <a:r>
+              <a:rPr lang="en-US" altLang="ko-KR" sz="1400" b="0" dirty="0">
+                <a:solidFill>
+                  <a:srgbClr val="D4D4D4"/>
+                </a:solidFill>
+                <a:effectLst/>
+                <a:latin typeface="Consolas" panose="020B0609020204030204" pitchFamily="49" charset="0"/>
+              </a:rPr>
+              <a:t>() {</a:t>
+            </a:r>
+          </a:p>
+          <a:p>
+            <a:r>
+              <a:rPr lang="en-US" altLang="ko-KR" sz="1400" b="0" dirty="0">
+                <a:solidFill>
+                  <a:srgbClr val="D4D4D4"/>
+                </a:solidFill>
+                <a:effectLst/>
+                <a:latin typeface="Consolas" panose="020B0609020204030204" pitchFamily="49" charset="0"/>
+              </a:rPr>
+              <a:t>  </a:t>
+            </a:r>
+            <a:r>
+              <a:rPr lang="en-US" altLang="ko-KR" sz="1400" b="0" dirty="0" err="1">
+                <a:solidFill>
+                  <a:srgbClr val="9CDCFE"/>
+                </a:solidFill>
+                <a:effectLst/>
+                <a:latin typeface="Consolas" panose="020B0609020204030204" pitchFamily="49" charset="0"/>
+              </a:rPr>
+              <a:t>Serial</a:t>
+            </a:r>
+            <a:r>
+              <a:rPr lang="en-US" altLang="ko-KR" sz="1400" b="0" dirty="0" err="1">
+                <a:solidFill>
+                  <a:srgbClr val="D4D4D4"/>
+                </a:solidFill>
+                <a:effectLst/>
+                <a:latin typeface="Consolas" panose="020B0609020204030204" pitchFamily="49" charset="0"/>
+              </a:rPr>
+              <a:t>.</a:t>
+            </a:r>
+            <a:r>
+              <a:rPr lang="en-US" altLang="ko-KR" sz="1400" b="0" dirty="0" err="1">
+                <a:solidFill>
+                  <a:srgbClr val="DCDCAA"/>
+                </a:solidFill>
+                <a:effectLst/>
+                <a:latin typeface="Consolas" panose="020B0609020204030204" pitchFamily="49" charset="0"/>
+              </a:rPr>
+              <a:t>begin</a:t>
+            </a:r>
+            <a:r>
+              <a:rPr lang="en-US" altLang="ko-KR" sz="1400" b="0" dirty="0">
+                <a:solidFill>
+                  <a:srgbClr val="D4D4D4"/>
+                </a:solidFill>
+                <a:effectLst/>
+                <a:latin typeface="Consolas" panose="020B0609020204030204" pitchFamily="49" charset="0"/>
+              </a:rPr>
+              <a:t>(</a:t>
+            </a:r>
+            <a:r>
+              <a:rPr lang="en-US" altLang="ko-KR" sz="1400" b="0" dirty="0">
+                <a:solidFill>
+                  <a:srgbClr val="B5CEA8"/>
+                </a:solidFill>
+                <a:effectLst/>
+                <a:latin typeface="Consolas" panose="020B0609020204030204" pitchFamily="49" charset="0"/>
+              </a:rPr>
+              <a:t>115200</a:t>
+            </a:r>
+            <a:r>
+              <a:rPr lang="en-US" altLang="ko-KR" sz="1400" b="0" dirty="0">
+                <a:solidFill>
+                  <a:srgbClr val="D4D4D4"/>
+                </a:solidFill>
+                <a:effectLst/>
+                <a:latin typeface="Consolas" panose="020B0609020204030204" pitchFamily="49" charset="0"/>
+              </a:rPr>
+              <a:t>);</a:t>
+            </a:r>
+          </a:p>
+          <a:p>
+            <a:r>
+              <a:rPr lang="en-US" altLang="ko-KR" sz="1400" b="0" dirty="0">
+                <a:solidFill>
+                  <a:srgbClr val="D4D4D4"/>
+                </a:solidFill>
+                <a:effectLst/>
+                <a:latin typeface="Consolas" panose="020B0609020204030204" pitchFamily="49" charset="0"/>
+              </a:rPr>
+              <a:t>    }</a:t>
+            </a:r>
+          </a:p>
+          <a:p>
+            <a:br>
+              <a:rPr lang="en-US" altLang="ko-KR" sz="1400" b="0" dirty="0">
+                <a:solidFill>
+                  <a:srgbClr val="D4D4D4"/>
+                </a:solidFill>
+                <a:effectLst/>
+                <a:latin typeface="Consolas" panose="020B0609020204030204" pitchFamily="49" charset="0"/>
+              </a:rPr>
+            </a:br>
+            <a:r>
+              <a:rPr lang="en-US" altLang="ko-KR" sz="1400" b="0" dirty="0">
+                <a:solidFill>
+                  <a:srgbClr val="569CD6"/>
+                </a:solidFill>
+                <a:effectLst/>
+                <a:latin typeface="Consolas" panose="020B0609020204030204" pitchFamily="49" charset="0"/>
+              </a:rPr>
+              <a:t>void</a:t>
+            </a:r>
+            <a:r>
+              <a:rPr lang="en-US" altLang="ko-KR" sz="1400" b="0" dirty="0">
+                <a:solidFill>
+                  <a:srgbClr val="D4D4D4"/>
+                </a:solidFill>
+                <a:effectLst/>
+                <a:latin typeface="Consolas" panose="020B0609020204030204" pitchFamily="49" charset="0"/>
+              </a:rPr>
+              <a:t> </a:t>
+            </a:r>
+            <a:r>
+              <a:rPr lang="en-US" altLang="ko-KR" sz="1400" b="0" dirty="0">
+                <a:solidFill>
+                  <a:srgbClr val="DCDCAA"/>
+                </a:solidFill>
+                <a:effectLst/>
+                <a:latin typeface="Consolas" panose="020B0609020204030204" pitchFamily="49" charset="0"/>
+              </a:rPr>
+              <a:t>loop</a:t>
+            </a:r>
+            <a:r>
+              <a:rPr lang="en-US" altLang="ko-KR" sz="1400" b="0" dirty="0">
+                <a:solidFill>
+                  <a:srgbClr val="D4D4D4"/>
+                </a:solidFill>
+                <a:effectLst/>
+                <a:latin typeface="Consolas" panose="020B0609020204030204" pitchFamily="49" charset="0"/>
+              </a:rPr>
+              <a:t>() {</a:t>
+            </a:r>
+          </a:p>
+          <a:p>
+            <a:r>
+              <a:rPr lang="en-US" altLang="ko-KR" sz="1400" b="0" dirty="0">
+                <a:solidFill>
+                  <a:srgbClr val="D4D4D4"/>
+                </a:solidFill>
+                <a:effectLst/>
+                <a:latin typeface="Consolas" panose="020B0609020204030204" pitchFamily="49" charset="0"/>
+              </a:rPr>
+              <a:t>  </a:t>
+            </a:r>
+            <a:r>
+              <a:rPr lang="en-US" altLang="ko-KR" sz="1400" b="0" dirty="0" err="1">
+                <a:solidFill>
+                  <a:srgbClr val="9CDCFE"/>
+                </a:solidFill>
+                <a:effectLst/>
+                <a:latin typeface="Consolas" panose="020B0609020204030204" pitchFamily="49" charset="0"/>
+              </a:rPr>
+              <a:t>val</a:t>
+            </a:r>
+            <a:r>
+              <a:rPr lang="en-US" altLang="ko-KR" sz="1400" b="0" dirty="0">
+                <a:solidFill>
+                  <a:srgbClr val="D4D4D4"/>
+                </a:solidFill>
+                <a:effectLst/>
+                <a:latin typeface="Consolas" panose="020B0609020204030204" pitchFamily="49" charset="0"/>
+              </a:rPr>
+              <a:t> = </a:t>
+            </a:r>
+            <a:r>
+              <a:rPr lang="en-US" altLang="ko-KR" sz="1400" b="0" dirty="0" err="1">
+                <a:solidFill>
+                  <a:srgbClr val="DCDCAA"/>
+                </a:solidFill>
+                <a:effectLst/>
+                <a:latin typeface="Consolas" panose="020B0609020204030204" pitchFamily="49" charset="0"/>
+              </a:rPr>
+              <a:t>hallRead</a:t>
+            </a:r>
+            <a:r>
+              <a:rPr lang="en-US" altLang="ko-KR" sz="1400" b="0" dirty="0">
+                <a:solidFill>
+                  <a:srgbClr val="D4D4D4"/>
+                </a:solidFill>
+                <a:effectLst/>
+                <a:latin typeface="Consolas" panose="020B0609020204030204" pitchFamily="49" charset="0"/>
+              </a:rPr>
+              <a:t>();</a:t>
+            </a:r>
+          </a:p>
+          <a:p>
+            <a:r>
+              <a:rPr lang="en-US" altLang="ko-KR" sz="1400" b="0" dirty="0">
+                <a:solidFill>
+                  <a:srgbClr val="D4D4D4"/>
+                </a:solidFill>
+                <a:effectLst/>
+                <a:latin typeface="Consolas" panose="020B0609020204030204" pitchFamily="49" charset="0"/>
+              </a:rPr>
+              <a:t>  </a:t>
+            </a:r>
+            <a:r>
+              <a:rPr lang="en-US" altLang="ko-KR" sz="1400" b="0" dirty="0" err="1">
+                <a:solidFill>
+                  <a:srgbClr val="9CDCFE"/>
+                </a:solidFill>
+                <a:effectLst/>
+                <a:latin typeface="Consolas" panose="020B0609020204030204" pitchFamily="49" charset="0"/>
+              </a:rPr>
+              <a:t>Serial</a:t>
+            </a:r>
+            <a:r>
+              <a:rPr lang="en-US" altLang="ko-KR" sz="1400" b="0" dirty="0" err="1">
+                <a:solidFill>
+                  <a:srgbClr val="D4D4D4"/>
+                </a:solidFill>
+                <a:effectLst/>
+                <a:latin typeface="Consolas" panose="020B0609020204030204" pitchFamily="49" charset="0"/>
+              </a:rPr>
+              <a:t>.</a:t>
+            </a:r>
+            <a:r>
+              <a:rPr lang="en-US" altLang="ko-KR" sz="1400" b="0" dirty="0" err="1">
+                <a:solidFill>
+                  <a:srgbClr val="DCDCAA"/>
+                </a:solidFill>
+                <a:effectLst/>
+                <a:latin typeface="Consolas" panose="020B0609020204030204" pitchFamily="49" charset="0"/>
+              </a:rPr>
+              <a:t>println</a:t>
+            </a:r>
+            <a:r>
+              <a:rPr lang="en-US" altLang="ko-KR" sz="1400" b="0" dirty="0">
+                <a:solidFill>
+                  <a:srgbClr val="D4D4D4"/>
+                </a:solidFill>
+                <a:effectLst/>
+                <a:latin typeface="Consolas" panose="020B0609020204030204" pitchFamily="49" charset="0"/>
+              </a:rPr>
+              <a:t>(</a:t>
+            </a:r>
+            <a:r>
+              <a:rPr lang="en-US" altLang="ko-KR" sz="1400" b="0" dirty="0" err="1">
+                <a:solidFill>
+                  <a:srgbClr val="9CDCFE"/>
+                </a:solidFill>
+                <a:effectLst/>
+                <a:latin typeface="Consolas" panose="020B0609020204030204" pitchFamily="49" charset="0"/>
+              </a:rPr>
+              <a:t>val</a:t>
+            </a:r>
+            <a:r>
+              <a:rPr lang="en-US" altLang="ko-KR" sz="1400" b="0" dirty="0">
+                <a:solidFill>
+                  <a:srgbClr val="D4D4D4"/>
+                </a:solidFill>
+                <a:effectLst/>
+                <a:latin typeface="Consolas" panose="020B0609020204030204" pitchFamily="49" charset="0"/>
+              </a:rPr>
+              <a:t>);</a:t>
+            </a:r>
+            <a:r>
+              <a:rPr lang="en-US" altLang="ko-KR" sz="1400" b="0" dirty="0">
+                <a:solidFill>
+                  <a:srgbClr val="6A9955"/>
+                </a:solidFill>
+                <a:effectLst/>
+                <a:latin typeface="Consolas" panose="020B0609020204030204" pitchFamily="49" charset="0"/>
+              </a:rPr>
+              <a:t>//to graph </a:t>
+            </a:r>
+            <a:endParaRPr lang="en-US" altLang="ko-KR" sz="1400" b="0" dirty="0">
+              <a:solidFill>
+                <a:srgbClr val="D4D4D4"/>
+              </a:solidFill>
+              <a:effectLst/>
+              <a:latin typeface="Consolas" panose="020B0609020204030204" pitchFamily="49" charset="0"/>
+            </a:endParaRPr>
+          </a:p>
+          <a:p>
+            <a:r>
+              <a:rPr lang="en-US" altLang="ko-KR" sz="1400" b="0" dirty="0">
+                <a:solidFill>
+                  <a:srgbClr val="D4D4D4"/>
+                </a:solidFill>
+                <a:effectLst/>
+                <a:latin typeface="Consolas" panose="020B0609020204030204" pitchFamily="49" charset="0"/>
+              </a:rPr>
+              <a:t>}</a:t>
+            </a:r>
+          </a:p>
+        </p:txBody>
+      </p:sp>
+      <p:sp>
+        <p:nvSpPr>
+          <p:cNvPr id="17" name="말풍선: 모서리가 둥근 사각형 16">
+            <a:extLst>
+              <a:ext uri="{FF2B5EF4-FFF2-40B4-BE49-F238E27FC236}">
+                <a16:creationId xmlns:a16="http://schemas.microsoft.com/office/drawing/2014/main" id="{B2E44154-2D13-4683-BB7B-14E8D812B861}"/>
+              </a:ext>
+            </a:extLst>
+          </p:cNvPr>
+          <p:cNvSpPr/>
+          <p:nvPr/>
+        </p:nvSpPr>
+        <p:spPr>
+          <a:xfrm>
+            <a:off x="8165426" y="1525336"/>
+            <a:ext cx="2050284" cy="758615"/>
+          </a:xfrm>
+          <a:prstGeom prst="wedgeRoundRectCallout">
+            <a:avLst>
+              <a:gd name="adj1" fmla="val 52596"/>
+              <a:gd name="adj2" fmla="val 153394"/>
+              <a:gd name="adj3" fmla="val 16667"/>
+            </a:avLst>
+          </a:prstGeom>
+        </p:spPr>
+        <p:style>
+          <a:lnRef idx="2">
+            <a:schemeClr val="accent1">
+              <a:shade val="50000"/>
+            </a:schemeClr>
+          </a:lnRef>
+          <a:fillRef idx="1">
+            <a:schemeClr val="accent1"/>
+          </a:fillRef>
+          <a:effectRef idx="0">
+            <a:schemeClr val="accent1"/>
+          </a:effectRef>
+          <a:fontRef idx="minor">
+            <a:schemeClr val="lt1"/>
+          </a:fontRef>
+        </p:style>
+        <p:txBody>
+          <a:bodyPr rtlCol="0" anchor="ctr"/>
+          <a:lstStyle/>
+          <a:p>
+            <a:pPr algn="ctr"/>
+            <a:r>
+              <a:rPr lang="ko-KR" altLang="en-US" dirty="0"/>
+              <a:t>자석을 가져다 대면 감지</a:t>
+            </a:r>
+          </a:p>
+        </p:txBody>
+      </p:sp>
+      <p:pic>
+        <p:nvPicPr>
+          <p:cNvPr id="1026" name="Picture 2" descr="Hall Effect Sensor and How Magnets Make It Works">
+            <a:extLst>
+              <a:ext uri="{FF2B5EF4-FFF2-40B4-BE49-F238E27FC236}">
+                <a16:creationId xmlns:a16="http://schemas.microsoft.com/office/drawing/2014/main" id="{859C8CC0-8B82-4348-8BF1-518C50A12F05}"/>
+              </a:ext>
+            </a:extLst>
+          </p:cNvPr>
+          <p:cNvPicPr>
+            <a:picLocks noChangeAspect="1" noChangeArrowheads="1"/>
+          </p:cNvPicPr>
+          <p:nvPr/>
+        </p:nvPicPr>
+        <p:blipFill>
+          <a:blip r:embed="rId4">
+            <a:extLst>
+              <a:ext uri="{28A0092B-C50C-407E-A947-70E740481C1C}">
+                <a14:useLocalDpi xmlns:a14="http://schemas.microsoft.com/office/drawing/2010/main" val="0"/>
+              </a:ext>
+            </a:extLst>
+          </a:blip>
+          <a:srcRect/>
+          <a:stretch>
+            <a:fillRect/>
+          </a:stretch>
+        </p:blipFill>
+        <p:spPr bwMode="auto">
+          <a:xfrm>
+            <a:off x="5757334" y="2885754"/>
+            <a:ext cx="2912533" cy="2019047"/>
+          </a:xfrm>
+          <a:prstGeom prst="rect">
+            <a:avLst/>
+          </a:prstGeom>
+          <a:noFill/>
+          <a:extLst>
+            <a:ext uri="{909E8E84-426E-40DD-AFC4-6F175D3DCCD1}">
+              <a14:hiddenFill xmlns:a14="http://schemas.microsoft.com/office/drawing/2010/main">
+                <a:solidFill>
+                  <a:srgbClr val="FFFFFF"/>
+                </a:solidFill>
+              </a14:hiddenFill>
+            </a:ext>
+          </a:extLst>
+        </p:spPr>
+      </p:pic>
+      <p:pic>
+        <p:nvPicPr>
+          <p:cNvPr id="3" name="그림 2">
+            <a:extLst>
+              <a:ext uri="{FF2B5EF4-FFF2-40B4-BE49-F238E27FC236}">
+                <a16:creationId xmlns:a16="http://schemas.microsoft.com/office/drawing/2014/main" id="{604B381F-BB36-4CBB-A9AE-0F14982041C8}"/>
+              </a:ext>
+            </a:extLst>
+          </p:cNvPr>
+          <p:cNvPicPr>
+            <a:picLocks noChangeAspect="1"/>
+          </p:cNvPicPr>
+          <p:nvPr/>
+        </p:nvPicPr>
+        <p:blipFill>
+          <a:blip r:embed="rId5"/>
+          <a:stretch>
+            <a:fillRect/>
+          </a:stretch>
+        </p:blipFill>
+        <p:spPr>
+          <a:xfrm>
+            <a:off x="824148" y="5430728"/>
+            <a:ext cx="506016" cy="833438"/>
+          </a:xfrm>
+          <a:prstGeom prst="rect">
+            <a:avLst/>
+          </a:prstGeom>
+        </p:spPr>
+      </p:pic>
+      <p:pic>
+        <p:nvPicPr>
+          <p:cNvPr id="5" name="그림 4">
+            <a:extLst>
+              <a:ext uri="{FF2B5EF4-FFF2-40B4-BE49-F238E27FC236}">
+                <a16:creationId xmlns:a16="http://schemas.microsoft.com/office/drawing/2014/main" id="{DF765BE2-F7E7-4F21-8859-E8BFD6E774CB}"/>
+              </a:ext>
+            </a:extLst>
+          </p:cNvPr>
+          <p:cNvPicPr>
+            <a:picLocks noChangeAspect="1"/>
+          </p:cNvPicPr>
+          <p:nvPr/>
+        </p:nvPicPr>
+        <p:blipFill>
+          <a:blip r:embed="rId6"/>
+          <a:stretch>
+            <a:fillRect/>
+          </a:stretch>
+        </p:blipFill>
+        <p:spPr>
+          <a:xfrm>
+            <a:off x="3866510" y="5521216"/>
+            <a:ext cx="781050" cy="742950"/>
+          </a:xfrm>
+          <a:prstGeom prst="rect">
+            <a:avLst/>
+          </a:prstGeom>
+        </p:spPr>
+      </p:pic>
+      <p:pic>
+        <p:nvPicPr>
+          <p:cNvPr id="8" name="그림 7">
+            <a:extLst>
+              <a:ext uri="{FF2B5EF4-FFF2-40B4-BE49-F238E27FC236}">
+                <a16:creationId xmlns:a16="http://schemas.microsoft.com/office/drawing/2014/main" id="{1C225016-AF4D-41AD-96A5-D5A9BA0B9F2C}"/>
+              </a:ext>
+            </a:extLst>
+          </p:cNvPr>
+          <p:cNvPicPr>
+            <a:picLocks noChangeAspect="1"/>
+          </p:cNvPicPr>
+          <p:nvPr/>
+        </p:nvPicPr>
+        <p:blipFill>
+          <a:blip r:embed="rId7"/>
+          <a:stretch>
+            <a:fillRect/>
+          </a:stretch>
+        </p:blipFill>
+        <p:spPr>
+          <a:xfrm>
+            <a:off x="3149942" y="5511691"/>
+            <a:ext cx="495300" cy="762000"/>
+          </a:xfrm>
+          <a:prstGeom prst="rect">
+            <a:avLst/>
+          </a:prstGeom>
+        </p:spPr>
+      </p:pic>
+      <p:sp>
+        <p:nvSpPr>
+          <p:cNvPr id="24" name="말풍선: 모서리가 둥근 사각형 23">
+            <a:extLst>
+              <a:ext uri="{FF2B5EF4-FFF2-40B4-BE49-F238E27FC236}">
+                <a16:creationId xmlns:a16="http://schemas.microsoft.com/office/drawing/2014/main" id="{9E1117D8-91D5-4B47-A58E-C493BB494EAA}"/>
+              </a:ext>
+            </a:extLst>
+          </p:cNvPr>
+          <p:cNvSpPr/>
+          <p:nvPr/>
+        </p:nvSpPr>
+        <p:spPr>
+          <a:xfrm>
+            <a:off x="1417408" y="5505551"/>
+            <a:ext cx="1092106" cy="758615"/>
+          </a:xfrm>
+          <a:prstGeom prst="wedgeRoundRectCallout">
+            <a:avLst>
+              <a:gd name="adj1" fmla="val -81200"/>
+              <a:gd name="adj2" fmla="val -25177"/>
+              <a:gd name="adj3" fmla="val 16667"/>
+            </a:avLst>
+          </a:prstGeom>
+        </p:spPr>
+        <p:style>
+          <a:lnRef idx="2">
+            <a:schemeClr val="accent1">
+              <a:shade val="50000"/>
+            </a:schemeClr>
+          </a:lnRef>
+          <a:fillRef idx="1">
+            <a:schemeClr val="accent1"/>
+          </a:fillRef>
+          <a:effectRef idx="0">
+            <a:schemeClr val="accent1"/>
+          </a:effectRef>
+          <a:fontRef idx="minor">
+            <a:schemeClr val="lt1"/>
+          </a:fontRef>
+        </p:style>
+        <p:txBody>
+          <a:bodyPr rtlCol="0" anchor="ctr"/>
+          <a:lstStyle/>
+          <a:p>
+            <a:pPr algn="ctr"/>
+            <a:r>
+              <a:rPr lang="ko-KR" altLang="en-US"/>
+              <a:t>평상시</a:t>
+            </a:r>
+            <a:endParaRPr lang="ko-KR" altLang="en-US" dirty="0"/>
+          </a:p>
+        </p:txBody>
+      </p:sp>
+      <p:sp>
+        <p:nvSpPr>
+          <p:cNvPr id="9" name="직사각형 8">
+            <a:extLst>
+              <a:ext uri="{FF2B5EF4-FFF2-40B4-BE49-F238E27FC236}">
+                <a16:creationId xmlns:a16="http://schemas.microsoft.com/office/drawing/2014/main" id="{A81FEA14-1911-41F5-B85E-35A884C3C660}"/>
+              </a:ext>
+            </a:extLst>
+          </p:cNvPr>
+          <p:cNvSpPr/>
+          <p:nvPr/>
+        </p:nvSpPr>
+        <p:spPr>
+          <a:xfrm>
+            <a:off x="3033220" y="5445362"/>
+            <a:ext cx="1791986" cy="891089"/>
+          </a:xfrm>
+          <a:prstGeom prst="rect">
+            <a:avLst/>
+          </a:prstGeom>
+          <a:noFill/>
+          <a:ln w="38100">
+            <a:solidFill>
+              <a:srgbClr val="FF0000"/>
+            </a:solidFill>
+            <a:prstDash val="dash"/>
+          </a:ln>
+        </p:spPr>
+        <p:style>
+          <a:lnRef idx="2">
+            <a:schemeClr val="accent1">
+              <a:shade val="50000"/>
+            </a:schemeClr>
+          </a:lnRef>
+          <a:fillRef idx="1">
+            <a:schemeClr val="accent1"/>
+          </a:fillRef>
+          <a:effectRef idx="0">
+            <a:schemeClr val="accent1"/>
+          </a:effectRef>
+          <a:fontRef idx="minor">
+            <a:schemeClr val="lt1"/>
+          </a:fontRef>
+        </p:style>
+        <p:txBody>
+          <a:bodyPr rtlCol="0" anchor="ctr"/>
+          <a:lstStyle/>
+          <a:p>
+            <a:pPr algn="ctr"/>
+            <a:endParaRPr lang="ko-KR" altLang="en-US"/>
+          </a:p>
+        </p:txBody>
+      </p:sp>
+      <p:sp>
+        <p:nvSpPr>
+          <p:cNvPr id="19" name="말풍선: 모서리가 둥근 사각형 18">
+            <a:extLst>
+              <a:ext uri="{FF2B5EF4-FFF2-40B4-BE49-F238E27FC236}">
+                <a16:creationId xmlns:a16="http://schemas.microsoft.com/office/drawing/2014/main" id="{F2531A38-8BE5-4D56-943E-8298FBE124EF}"/>
+              </a:ext>
+            </a:extLst>
+          </p:cNvPr>
+          <p:cNvSpPr/>
+          <p:nvPr/>
+        </p:nvSpPr>
+        <p:spPr>
+          <a:xfrm>
+            <a:off x="5348912" y="5637104"/>
+            <a:ext cx="2390774" cy="806029"/>
+          </a:xfrm>
+          <a:prstGeom prst="wedgeRoundRectCallout">
+            <a:avLst>
+              <a:gd name="adj1" fmla="val -81200"/>
+              <a:gd name="adj2" fmla="val -25177"/>
+              <a:gd name="adj3" fmla="val 16667"/>
+            </a:avLst>
+          </a:prstGeom>
+        </p:spPr>
+        <p:style>
+          <a:lnRef idx="2">
+            <a:schemeClr val="accent1">
+              <a:shade val="50000"/>
+            </a:schemeClr>
+          </a:lnRef>
+          <a:fillRef idx="1">
+            <a:schemeClr val="accent1"/>
+          </a:fillRef>
+          <a:effectRef idx="0">
+            <a:schemeClr val="accent1"/>
+          </a:effectRef>
+          <a:fontRef idx="minor">
+            <a:schemeClr val="lt1"/>
+          </a:fontRef>
+        </p:style>
+        <p:txBody>
+          <a:bodyPr rtlCol="0" anchor="ctr"/>
+          <a:lstStyle/>
+          <a:p>
+            <a:pPr algn="ctr"/>
+            <a:r>
+              <a:rPr lang="ko-KR" altLang="en-US" dirty="0"/>
+              <a:t>자석을 </a:t>
+            </a:r>
+            <a:r>
+              <a:rPr lang="ko-KR" altLang="en-US" dirty="0" err="1"/>
+              <a:t>올려놨을때</a:t>
+            </a:r>
+            <a:r>
+              <a:rPr lang="ko-KR" altLang="en-US" dirty="0"/>
+              <a:t> 극성에 따라 양수 또는 음수로 바뀜</a:t>
+            </a:r>
+          </a:p>
+        </p:txBody>
+      </p:sp>
+    </p:spTree>
+    <p:extLst>
+      <p:ext uri="{BB962C8B-B14F-4D97-AF65-F5344CB8AC3E}">
+        <p14:creationId xmlns:p14="http://schemas.microsoft.com/office/powerpoint/2010/main" val="3885628543"/>
+      </p:ext>
+    </p:extLst>
+  </p:cSld>
+  <p:clrMapOvr>
+    <a:masterClrMapping/>
+  </p:clrMapOvr>
+</p:sld>
+</file>
+
+<file path=ppt/slides/slide24.xml><?xml version="1.0" encoding="utf-8"?>
+<p:sld xmlns:a="http://schemas.openxmlformats.org/drawingml/2006/main" xmlns:r="http://schemas.openxmlformats.org/officeDocument/2006/relationships" xmlns:p="http://schemas.openxmlformats.org/presentationml/2006/main">
+  <p:cSld>
+    <p:spTree>
+      <p:nvGrpSpPr>
+        <p:cNvPr id="1" name=""/>
+        <p:cNvGrpSpPr/>
+        <p:nvPr/>
+      </p:nvGrpSpPr>
+      <p:grpSpPr>
+        <a:xfrm>
+          <a:off x="0" y="0"/>
+          <a:ext cx="0" cy="0"/>
+          <a:chOff x="0" y="0"/>
+          <a:chExt cx="0" cy="0"/>
+        </a:xfrm>
+      </p:grpSpPr>
+      <p:sp>
+        <p:nvSpPr>
+          <p:cNvPr id="5" name="TextBox 4">
+            <a:extLst>
+              <a:ext uri="{FF2B5EF4-FFF2-40B4-BE49-F238E27FC236}">
+                <a16:creationId xmlns:a16="http://schemas.microsoft.com/office/drawing/2014/main" id="{8E9CA06E-F98A-4DEE-AFBD-943339145F55}"/>
+              </a:ext>
+            </a:extLst>
+          </p:cNvPr>
+          <p:cNvSpPr txBox="1"/>
+          <p:nvPr/>
+        </p:nvSpPr>
+        <p:spPr>
+          <a:xfrm>
+            <a:off x="1210732" y="987902"/>
+            <a:ext cx="5867632" cy="400110"/>
+          </a:xfrm>
+          <a:prstGeom prst="rect">
+            <a:avLst/>
+          </a:prstGeom>
+          <a:noFill/>
+        </p:spPr>
+        <p:txBody>
+          <a:bodyPr wrap="none" rtlCol="0">
+            <a:spAutoFit/>
+          </a:bodyPr>
+          <a:lstStyle/>
+          <a:p>
+            <a:r>
               <a:rPr lang="en-US" altLang="ko-KR" sz="2000" b="1" dirty="0"/>
-              <a:t>ESP32 Arduino </a:t>
+              <a:t>ESP32 </a:t>
             </a:r>
             <a:r>
               <a:rPr lang="ko-KR" altLang="en-US" sz="2000" b="1" dirty="0"/>
-              <a:t>참고할 만한 소스 링크</a:t>
+              <a:t>플랫폼을 </a:t>
+            </a:r>
+            <a:r>
+              <a:rPr lang="en-US" altLang="ko-KR" sz="2000" b="1" dirty="0"/>
+              <a:t>Arduino </a:t>
+            </a:r>
+            <a:r>
+              <a:rPr lang="ko-KR" altLang="en-US" sz="2000" b="1" dirty="0"/>
+              <a:t>개발 시 참조 소스 링크</a:t>
             </a:r>
           </a:p>
         </p:txBody>
@@ -19163,7 +20519,7 @@
         </p:nvSpPr>
         <p:spPr>
           <a:xfrm>
-            <a:off x="1422400" y="1347800"/>
+            <a:off x="1210732" y="1345792"/>
             <a:ext cx="6096000" cy="369332"/>
           </a:xfrm>
           <a:prstGeom prst="rect">
@@ -19184,6 +20540,103 @@
               <a:t>https://github.com/espressif/arduino-esp32</a:t>
             </a:r>
             <a:endParaRPr lang="ko-KR" altLang="en-US" dirty="0"/>
+          </a:p>
+        </p:txBody>
+      </p:sp>
+      <p:sp>
+        <p:nvSpPr>
+          <p:cNvPr id="6" name="TextBox 5">
+            <a:extLst>
+              <a:ext uri="{FF2B5EF4-FFF2-40B4-BE49-F238E27FC236}">
+                <a16:creationId xmlns:a16="http://schemas.microsoft.com/office/drawing/2014/main" id="{46DB5318-BC60-40EE-B4C5-F406AB5DC830}"/>
+              </a:ext>
+            </a:extLst>
+          </p:cNvPr>
+          <p:cNvSpPr txBox="1"/>
+          <p:nvPr/>
+        </p:nvSpPr>
+        <p:spPr>
+          <a:xfrm>
+            <a:off x="1210732" y="2411568"/>
+            <a:ext cx="6096000" cy="646331"/>
+          </a:xfrm>
+          <a:prstGeom prst="rect">
+            <a:avLst/>
+          </a:prstGeom>
+          <a:noFill/>
+        </p:spPr>
+        <p:txBody>
+          <a:bodyPr wrap="square">
+            <a:spAutoFit/>
+          </a:bodyPr>
+          <a:lstStyle/>
+          <a:p>
+            <a:r>
+              <a:rPr lang="ko-KR" altLang="en-US" dirty="0">
+                <a:hlinkClick r:id="rId3"/>
+              </a:rPr>
+              <a:t>https://docs.espressif.com/projects/esp-idf/en/latest/esp32/api-reference/peripherals/uart.html</a:t>
+            </a:r>
+            <a:endParaRPr lang="ko-KR" altLang="en-US" dirty="0"/>
+          </a:p>
+        </p:txBody>
+      </p:sp>
+      <p:sp>
+        <p:nvSpPr>
+          <p:cNvPr id="7" name="TextBox 6">
+            <a:extLst>
+              <a:ext uri="{FF2B5EF4-FFF2-40B4-BE49-F238E27FC236}">
+                <a16:creationId xmlns:a16="http://schemas.microsoft.com/office/drawing/2014/main" id="{78A33C6E-0999-4DF3-8B86-2142F5E799B7}"/>
+              </a:ext>
+            </a:extLst>
+          </p:cNvPr>
+          <p:cNvSpPr txBox="1"/>
+          <p:nvPr/>
+        </p:nvSpPr>
+        <p:spPr>
+          <a:xfrm>
+            <a:off x="1210732" y="2042236"/>
+            <a:ext cx="6374181" cy="400110"/>
+          </a:xfrm>
+          <a:prstGeom prst="rect">
+            <a:avLst/>
+          </a:prstGeom>
+          <a:noFill/>
+        </p:spPr>
+        <p:txBody>
+          <a:bodyPr wrap="none" rtlCol="0">
+            <a:spAutoFit/>
+          </a:bodyPr>
+          <a:lstStyle/>
+          <a:p>
+            <a:r>
+              <a:rPr lang="en-US" altLang="ko-KR" sz="2000" b="1" dirty="0"/>
+              <a:t>ESP32 </a:t>
+            </a:r>
+            <a:r>
+              <a:rPr lang="ko-KR" altLang="en-US" sz="2000" b="1" dirty="0"/>
+              <a:t>플랫폼을 </a:t>
+            </a:r>
+            <a:r>
+              <a:rPr lang="en-US" altLang="ko-KR" sz="2000" b="1" dirty="0" err="1"/>
+              <a:t>espressif</a:t>
+            </a:r>
+            <a:r>
+              <a:rPr lang="en-US" altLang="ko-KR" sz="2000" b="1" dirty="0"/>
+              <a:t> </a:t>
+            </a:r>
+            <a:r>
+              <a:rPr lang="ko-KR" altLang="en-US" sz="2000" b="1" dirty="0"/>
+              <a:t>환경으로 </a:t>
+            </a:r>
+            <a:r>
+              <a:rPr lang="ko-KR" altLang="en-US" sz="2000" b="1" dirty="0" err="1"/>
+              <a:t>개발시</a:t>
+            </a:r>
+            <a:r>
+              <a:rPr lang="ko-KR" altLang="en-US" sz="2000" b="1" dirty="0"/>
+              <a:t> 참조 자료</a:t>
+            </a:r>
           </a:p>
         </p:txBody>
       </p:sp>
